--- a/wgaca flyer and logo.pptx
+++ b/wgaca flyer and logo.pptx
@@ -6,10 +6,8 @@
   </p:sldMasterIdLst>
   <p:sldIdLst>
     <p:sldId id="256" r:id="rId2"/>
-    <p:sldId id="258" r:id="rId3"/>
-    <p:sldId id="257" r:id="rId4"/>
-    <p:sldId id="259" r:id="rId5"/>
-    <p:sldId id="260" r:id="rId6"/>
+    <p:sldId id="259" r:id="rId3"/>
+    <p:sldId id="260" r:id="rId4"/>
   </p:sldIdLst>
   <p:sldSz cx="9906000" cy="6858000" type="A4"/>
   <p:notesSz cx="6858000" cy="9144000"/>
@@ -4154,291 +4152,6 @@
       </p:grpSpPr>
       <p:sp>
         <p:nvSpPr>
-          <p:cNvPr id="4" name="Rectangle 3">
-            <a:extLst>
-              <a:ext uri="{FF2B5EF4-FFF2-40B4-BE49-F238E27FC236}">
-                <a16:creationId xmlns:a16="http://schemas.microsoft.com/office/drawing/2014/main" id="{17E69B25-4F4B-4CB1-A6AC-9B10270AA60D}"/>
-              </a:ext>
-            </a:extLst>
-          </p:cNvPr>
-          <p:cNvSpPr/>
-          <p:nvPr/>
-        </p:nvSpPr>
-        <p:spPr>
-          <a:xfrm>
-            <a:off x="796990" y="1476785"/>
-            <a:ext cx="4953000" cy="3139321"/>
-          </a:xfrm>
-          <a:prstGeom prst="rect">
-            <a:avLst/>
-          </a:prstGeom>
-        </p:spPr>
-        <p:txBody>
-          <a:bodyPr>
-            <a:spAutoFit/>
-          </a:bodyPr>
-          <a:lstStyle/>
-          <a:p>
-            <a:r>
-              <a:rPr lang="en-US" dirty="0">
-                <a:solidFill>
-                  <a:schemeClr val="accent1">
-                    <a:lumMod val="75000"/>
-                  </a:schemeClr>
-                </a:solidFill>
-                <a:latin typeface="Arial" panose="020B0604020202020204" pitchFamily="34" charset="0"/>
-                <a:cs typeface="Arial" panose="020B0604020202020204" pitchFamily="34" charset="0"/>
-              </a:rPr>
-              <a:t>Do you have any surplus food, house-hold goods or over-the-counter medicine you can offer to a </a:t>
-            </a:r>
-            <a:r>
-              <a:rPr lang="en-US" dirty="0" err="1">
-                <a:solidFill>
-                  <a:schemeClr val="accent1">
-                    <a:lumMod val="75000"/>
-                  </a:schemeClr>
-                </a:solidFill>
-                <a:latin typeface="Arial" panose="020B0604020202020204" pitchFamily="34" charset="0"/>
-                <a:cs typeface="Arial" panose="020B0604020202020204" pitchFamily="34" charset="0"/>
-              </a:rPr>
-              <a:t>neighbour</a:t>
-            </a:r>
-            <a:r>
-              <a:rPr lang="en-US" dirty="0">
-                <a:solidFill>
-                  <a:schemeClr val="accent1">
-                    <a:lumMod val="75000"/>
-                  </a:schemeClr>
-                </a:solidFill>
-                <a:latin typeface="Arial" panose="020B0604020202020204" pitchFamily="34" charset="0"/>
-                <a:cs typeface="Arial" panose="020B0604020202020204" pitchFamily="34" charset="0"/>
-              </a:rPr>
-              <a:t> in need? If so, please make an offer so we can match donations with requests so we can encourage 'runners' (perhaps you?) to volunteer and deliver spare items to those in need...</a:t>
-            </a:r>
-          </a:p>
-          <a:p>
-            <a:endParaRPr lang="en-US" dirty="0">
-              <a:solidFill>
-                <a:schemeClr val="accent1">
-                  <a:lumMod val="75000"/>
-                </a:schemeClr>
-              </a:solidFill>
-              <a:latin typeface="Arial" panose="020B0604020202020204" pitchFamily="34" charset="0"/>
-              <a:cs typeface="Arial" panose="020B0604020202020204" pitchFamily="34" charset="0"/>
-            </a:endParaRPr>
-          </a:p>
-          <a:p>
-            <a:r>
-              <a:rPr lang="en-US" dirty="0">
-                <a:solidFill>
-                  <a:schemeClr val="accent1">
-                    <a:lumMod val="75000"/>
-                  </a:schemeClr>
-                </a:solidFill>
-                <a:latin typeface="Arial" panose="020B0604020202020204" pitchFamily="34" charset="0"/>
-                <a:cs typeface="Arial" panose="020B0604020202020204" pitchFamily="34" charset="0"/>
-              </a:rPr>
-              <a:t>Are you unable to leave the house?</a:t>
-            </a:r>
-          </a:p>
-          <a:p>
-            <a:r>
-              <a:rPr lang="en-US" dirty="0">
-                <a:solidFill>
-                  <a:schemeClr val="accent1">
-                    <a:lumMod val="75000"/>
-                  </a:schemeClr>
-                </a:solidFill>
-                <a:latin typeface="Arial" panose="020B0604020202020204" pitchFamily="34" charset="0"/>
-                <a:cs typeface="Arial" panose="020B0604020202020204" pitchFamily="34" charset="0"/>
-              </a:rPr>
-              <a:t>Do you need some food or medication urgently?</a:t>
-            </a:r>
-          </a:p>
-        </p:txBody>
-      </p:sp>
-      <p:pic>
-        <p:nvPicPr>
-          <p:cNvPr id="5" name="Picture 4">
-            <a:extLst>
-              <a:ext uri="{FF2B5EF4-FFF2-40B4-BE49-F238E27FC236}">
-                <a16:creationId xmlns:a16="http://schemas.microsoft.com/office/drawing/2014/main" id="{6B28EB94-D5A7-4DFD-A11C-F884FF860C81}"/>
-              </a:ext>
-            </a:extLst>
-          </p:cNvPr>
-          <p:cNvPicPr>
-            <a:picLocks noChangeAspect="1"/>
-          </p:cNvPicPr>
-          <p:nvPr/>
-        </p:nvPicPr>
-        <p:blipFill>
-          <a:blip r:embed="rId2"/>
-          <a:stretch>
-            <a:fillRect/>
-          </a:stretch>
-        </p:blipFill>
-        <p:spPr>
-          <a:xfrm>
-            <a:off x="1246394" y="5324952"/>
-            <a:ext cx="4054191" cy="347502"/>
-          </a:xfrm>
-          <a:prstGeom prst="rect">
-            <a:avLst/>
-          </a:prstGeom>
-        </p:spPr>
-      </p:pic>
-    </p:spTree>
-    <p:extLst>
-      <p:ext uri="{BB962C8B-B14F-4D97-AF65-F5344CB8AC3E}">
-        <p14:creationId xmlns:p14="http://schemas.microsoft.com/office/powerpoint/2010/main" val="2879056786"/>
-      </p:ext>
-    </p:extLst>
-  </p:cSld>
-  <p:clrMapOvr>
-    <a:masterClrMapping/>
-  </p:clrMapOvr>
-</p:sld>
-</file>
-
-<file path=ppt/slides/slide3.xml><?xml version="1.0" encoding="utf-8"?>
-<p:sld xmlns:a="http://schemas.openxmlformats.org/drawingml/2006/main" xmlns:r="http://schemas.openxmlformats.org/officeDocument/2006/relationships" xmlns:p="http://schemas.openxmlformats.org/presentationml/2006/main">
-  <p:cSld>
-    <p:spTree>
-      <p:nvGrpSpPr>
-        <p:cNvPr id="1" name=""/>
-        <p:cNvGrpSpPr/>
-        <p:nvPr/>
-      </p:nvGrpSpPr>
-      <p:grpSpPr>
-        <a:xfrm>
-          <a:off x="0" y="0"/>
-          <a:ext cx="0" cy="0"/>
-          <a:chOff x="0" y="0"/>
-          <a:chExt cx="0" cy="0"/>
-        </a:xfrm>
-      </p:grpSpPr>
-      <p:pic>
-        <p:nvPicPr>
-          <p:cNvPr id="6" name="Picture 5">
-            <a:extLst>
-              <a:ext uri="{FF2B5EF4-FFF2-40B4-BE49-F238E27FC236}">
-                <a16:creationId xmlns:a16="http://schemas.microsoft.com/office/drawing/2014/main" id="{7A24C41D-79EF-444E-AF5F-5B6ADCE02A63}"/>
-              </a:ext>
-            </a:extLst>
-          </p:cNvPr>
-          <p:cNvPicPr>
-            <a:picLocks noChangeAspect="1"/>
-          </p:cNvPicPr>
-          <p:nvPr/>
-        </p:nvPicPr>
-        <p:blipFill>
-          <a:blip r:embed="rId2"/>
-          <a:stretch>
-            <a:fillRect/>
-          </a:stretch>
-        </p:blipFill>
-        <p:spPr>
-          <a:xfrm>
-            <a:off x="484062" y="357483"/>
-            <a:ext cx="6523149" cy="5415064"/>
-          </a:xfrm>
-          <a:prstGeom prst="rect">
-            <a:avLst/>
-          </a:prstGeom>
-        </p:spPr>
-      </p:pic>
-      <p:pic>
-        <p:nvPicPr>
-          <p:cNvPr id="7" name="Picture 6">
-            <a:extLst>
-              <a:ext uri="{FF2B5EF4-FFF2-40B4-BE49-F238E27FC236}">
-                <a16:creationId xmlns:a16="http://schemas.microsoft.com/office/drawing/2014/main" id="{E223AA1E-A74A-4DBF-A51F-B8D222A1BF0D}"/>
-              </a:ext>
-            </a:extLst>
-          </p:cNvPr>
-          <p:cNvPicPr>
-            <a:picLocks noChangeAspect="1"/>
-          </p:cNvPicPr>
-          <p:nvPr/>
-        </p:nvPicPr>
-        <p:blipFill>
-          <a:blip r:embed="rId2"/>
-          <a:stretch>
-            <a:fillRect/>
-          </a:stretch>
-        </p:blipFill>
-        <p:spPr>
-          <a:xfrm>
-            <a:off x="7187921" y="279065"/>
-            <a:ext cx="2444351" cy="2029130"/>
-          </a:xfrm>
-          <a:prstGeom prst="rect">
-            <a:avLst/>
-          </a:prstGeom>
-        </p:spPr>
-      </p:pic>
-      <p:pic>
-        <p:nvPicPr>
-          <p:cNvPr id="8" name="Picture 7">
-            <a:extLst>
-              <a:ext uri="{FF2B5EF4-FFF2-40B4-BE49-F238E27FC236}">
-                <a16:creationId xmlns:a16="http://schemas.microsoft.com/office/drawing/2014/main" id="{F37DB841-2225-4ED0-9B0F-98A82CBC39D7}"/>
-              </a:ext>
-            </a:extLst>
-          </p:cNvPr>
-          <p:cNvPicPr>
-            <a:picLocks noChangeAspect="1"/>
-          </p:cNvPicPr>
-          <p:nvPr/>
-        </p:nvPicPr>
-        <p:blipFill>
-          <a:blip r:embed="rId2"/>
-          <a:stretch>
-            <a:fillRect/>
-          </a:stretch>
-        </p:blipFill>
-        <p:spPr>
-          <a:xfrm>
-            <a:off x="7812833" y="5337440"/>
-            <a:ext cx="847104" cy="703207"/>
-          </a:xfrm>
-          <a:prstGeom prst="rect">
-            <a:avLst/>
-          </a:prstGeom>
-        </p:spPr>
-      </p:pic>
-    </p:spTree>
-    <p:extLst>
-      <p:ext uri="{BB962C8B-B14F-4D97-AF65-F5344CB8AC3E}">
-        <p14:creationId xmlns:p14="http://schemas.microsoft.com/office/powerpoint/2010/main" val="3001967907"/>
-      </p:ext>
-    </p:extLst>
-  </p:cSld>
-  <p:clrMapOvr>
-    <a:masterClrMapping/>
-  </p:clrMapOvr>
-</p:sld>
-</file>
-
-<file path=ppt/slides/slide4.xml><?xml version="1.0" encoding="utf-8"?>
-<p:sld xmlns:a="http://schemas.openxmlformats.org/drawingml/2006/main" xmlns:r="http://schemas.openxmlformats.org/officeDocument/2006/relationships" xmlns:p="http://schemas.openxmlformats.org/presentationml/2006/main">
-  <p:cSld>
-    <p:spTree>
-      <p:nvGrpSpPr>
-        <p:cNvPr id="1" name=""/>
-        <p:cNvGrpSpPr/>
-        <p:nvPr/>
-      </p:nvGrpSpPr>
-      <p:grpSpPr>
-        <a:xfrm>
-          <a:off x="0" y="0"/>
-          <a:ext cx="0" cy="0"/>
-          <a:chOff x="0" y="0"/>
-          <a:chExt cx="0" cy="0"/>
-        </a:xfrm>
-      </p:grpSpPr>
-      <p:sp>
-        <p:nvSpPr>
           <p:cNvPr id="11" name="Rectangle 10">
             <a:extLst>
               <a:ext uri="{FF2B5EF4-FFF2-40B4-BE49-F238E27FC236}">
@@ -4497,7 +4210,7 @@
           </p:cNvPicPr>
           <p:nvPr/>
         </p:nvPicPr>
-        <p:blipFill>
+        <p:blipFill rotWithShape="1">
           <a:blip r:embed="rId2">
             <a:extLst>
               <a:ext uri="{28A0092B-C50C-407E-A947-70E740481C1C}">
@@ -4505,15 +4218,13 @@
               </a:ext>
             </a:extLst>
           </a:blip>
-          <a:srcRect/>
-          <a:stretch>
-            <a:fillRect/>
-          </a:stretch>
+          <a:srcRect l="643" t="16488" r="-643" b="22273"/>
+          <a:stretch/>
         </p:blipFill>
         <p:spPr bwMode="auto">
           <a:xfrm>
-            <a:off x="1818821" y="191861"/>
-            <a:ext cx="6350000" cy="6858000"/>
+            <a:off x="1864404" y="1368732"/>
+            <a:ext cx="6350000" cy="4199810"/>
           </a:xfrm>
           <a:prstGeom prst="rect">
             <a:avLst/>
@@ -4769,7 +4480,7 @@
 </p:sld>
 </file>
 
-<file path=ppt/slides/slide5.xml><?xml version="1.0" encoding="utf-8"?>
+<file path=ppt/slides/slide3.xml><?xml version="1.0" encoding="utf-8"?>
 <p:sld xmlns:a="http://schemas.openxmlformats.org/drawingml/2006/main" xmlns:r="http://schemas.openxmlformats.org/officeDocument/2006/relationships" xmlns:p="http://schemas.openxmlformats.org/presentationml/2006/main">
   <p:cSld>
     <p:spTree>
